--- a/Init of Program.pptx
+++ b/Init of Program.pptx
@@ -104,6 +104,11 @@
       </a:defRPr>
     </a:lvl9pPr>
   </p:defaultTextStyle>
+  <p:extLst>
+    <p:ext uri="{EFAFB233-063F-42B5-8137-9DF3F51BA10A}">
+      <p15:sldGuideLst xmlns:p15="http://schemas.microsoft.com/office/powerpoint/2012/main"/>
+    </p:ext>
+  </p:extLst>
 </p:presentation>
 </file>
 
@@ -4463,7 +4468,7 @@
         </p:nvSpPr>
         <p:spPr>
           <a:xfrm>
-            <a:off x="4961221" y="5184118"/>
+            <a:off x="5011411" y="5174860"/>
             <a:ext cx="761341" cy="338554"/>
           </a:xfrm>
           <a:prstGeom prst="rect">

--- a/Init of Program.pptx
+++ b/Init of Program.pptx
@@ -243,7 +243,7 @@
           <a:p>
             <a:fld id="{55326EAA-D170-421E-872D-6B74E357AC81}" type="datetimeFigureOut">
               <a:rPr lang="de-CH" smtClean="0"/>
-              <a:t>03.04.2016</a:t>
+              <a:t>04.04.2016</a:t>
             </a:fld>
             <a:endParaRPr lang="de-CH"/>
           </a:p>
@@ -413,7 +413,7 @@
           <a:p>
             <a:fld id="{55326EAA-D170-421E-872D-6B74E357AC81}" type="datetimeFigureOut">
               <a:rPr lang="de-CH" smtClean="0"/>
-              <a:t>03.04.2016</a:t>
+              <a:t>04.04.2016</a:t>
             </a:fld>
             <a:endParaRPr lang="de-CH"/>
           </a:p>
@@ -593,7 +593,7 @@
           <a:p>
             <a:fld id="{55326EAA-D170-421E-872D-6B74E357AC81}" type="datetimeFigureOut">
               <a:rPr lang="de-CH" smtClean="0"/>
-              <a:t>03.04.2016</a:t>
+              <a:t>04.04.2016</a:t>
             </a:fld>
             <a:endParaRPr lang="de-CH"/>
           </a:p>
@@ -763,7 +763,7 @@
           <a:p>
             <a:fld id="{55326EAA-D170-421E-872D-6B74E357AC81}" type="datetimeFigureOut">
               <a:rPr lang="de-CH" smtClean="0"/>
-              <a:t>03.04.2016</a:t>
+              <a:t>04.04.2016</a:t>
             </a:fld>
             <a:endParaRPr lang="de-CH"/>
           </a:p>
@@ -1009,7 +1009,7 @@
           <a:p>
             <a:fld id="{55326EAA-D170-421E-872D-6B74E357AC81}" type="datetimeFigureOut">
               <a:rPr lang="de-CH" smtClean="0"/>
-              <a:t>03.04.2016</a:t>
+              <a:t>04.04.2016</a:t>
             </a:fld>
             <a:endParaRPr lang="de-CH"/>
           </a:p>
@@ -1241,7 +1241,7 @@
           <a:p>
             <a:fld id="{55326EAA-D170-421E-872D-6B74E357AC81}" type="datetimeFigureOut">
               <a:rPr lang="de-CH" smtClean="0"/>
-              <a:t>03.04.2016</a:t>
+              <a:t>04.04.2016</a:t>
             </a:fld>
             <a:endParaRPr lang="de-CH"/>
           </a:p>
@@ -1608,7 +1608,7 @@
           <a:p>
             <a:fld id="{55326EAA-D170-421E-872D-6B74E357AC81}" type="datetimeFigureOut">
               <a:rPr lang="de-CH" smtClean="0"/>
-              <a:t>03.04.2016</a:t>
+              <a:t>04.04.2016</a:t>
             </a:fld>
             <a:endParaRPr lang="de-CH"/>
           </a:p>
@@ -1726,7 +1726,7 @@
           <a:p>
             <a:fld id="{55326EAA-D170-421E-872D-6B74E357AC81}" type="datetimeFigureOut">
               <a:rPr lang="de-CH" smtClean="0"/>
-              <a:t>03.04.2016</a:t>
+              <a:t>04.04.2016</a:t>
             </a:fld>
             <a:endParaRPr lang="de-CH"/>
           </a:p>
@@ -1821,7 +1821,7 @@
           <a:p>
             <a:fld id="{55326EAA-D170-421E-872D-6B74E357AC81}" type="datetimeFigureOut">
               <a:rPr lang="de-CH" smtClean="0"/>
-              <a:t>03.04.2016</a:t>
+              <a:t>04.04.2016</a:t>
             </a:fld>
             <a:endParaRPr lang="de-CH"/>
           </a:p>
@@ -2098,7 +2098,7 @@
           <a:p>
             <a:fld id="{55326EAA-D170-421E-872D-6B74E357AC81}" type="datetimeFigureOut">
               <a:rPr lang="de-CH" smtClean="0"/>
-              <a:t>03.04.2016</a:t>
+              <a:t>04.04.2016</a:t>
             </a:fld>
             <a:endParaRPr lang="de-CH"/>
           </a:p>
@@ -2351,7 +2351,7 @@
           <a:p>
             <a:fld id="{55326EAA-D170-421E-872D-6B74E357AC81}" type="datetimeFigureOut">
               <a:rPr lang="de-CH" smtClean="0"/>
-              <a:t>03.04.2016</a:t>
+              <a:t>04.04.2016</a:t>
             </a:fld>
             <a:endParaRPr lang="de-CH"/>
           </a:p>
@@ -2564,7 +2564,7 @@
           <a:p>
             <a:fld id="{55326EAA-D170-421E-872D-6B74E357AC81}" type="datetimeFigureOut">
               <a:rPr lang="de-CH" smtClean="0"/>
-              <a:t>03.04.2016</a:t>
+              <a:t>04.04.2016</a:t>
             </a:fld>
             <a:endParaRPr lang="de-CH"/>
           </a:p>
@@ -4138,7 +4138,7 @@
         </p:nvSpPr>
         <p:spPr>
           <a:xfrm>
-            <a:off x="6039748" y="5846065"/>
+            <a:off x="6048364" y="6009559"/>
             <a:ext cx="995363" cy="276225"/>
           </a:xfrm>
           <a:prstGeom prst="rect">
@@ -4180,7 +4180,7 @@
         </p:nvSpPr>
         <p:spPr>
           <a:xfrm>
-            <a:off x="4431739" y="5834029"/>
+            <a:off x="4533500" y="6011520"/>
             <a:ext cx="995363" cy="276225"/>
           </a:xfrm>
           <a:prstGeom prst="rect">
@@ -4226,11 +4226,11 @@
         <p:spPr>
           <a:xfrm>
             <a:off x="4809033" y="5102155"/>
-            <a:ext cx="618069" cy="869987"/>
+            <a:ext cx="719830" cy="1047478"/>
           </a:xfrm>
           <a:prstGeom prst="bentConnector3">
             <a:avLst>
-              <a:gd name="adj1" fmla="val 121575"/>
+              <a:gd name="adj1" fmla="val 131757"/>
             </a:avLst>
           </a:prstGeom>
           <a:ln>
@@ -4263,8 +4263,8 @@
         </p:nvCxnSpPr>
         <p:spPr>
           <a:xfrm rot="5400000" flipH="1" flipV="1">
-            <a:off x="4491071" y="5031443"/>
-            <a:ext cx="1240936" cy="364237"/>
+            <a:off x="4453207" y="5171069"/>
+            <a:ext cx="1418427" cy="262476"/>
           </a:xfrm>
           <a:prstGeom prst="bentConnector2">
             <a:avLst/>
@@ -4300,7 +4300,7 @@
         <p:spPr>
           <a:xfrm>
             <a:off x="6289021" y="4593093"/>
-            <a:ext cx="248409" cy="1252972"/>
+            <a:ext cx="257025" cy="1416466"/>
           </a:xfrm>
           <a:prstGeom prst="bentConnector2">
             <a:avLst/>
@@ -4334,15 +4334,15 @@
           <p:nvPr/>
         </p:nvCxnSpPr>
         <p:spPr>
-          <a:xfrm flipV="1">
+          <a:xfrm flipH="1" flipV="1">
             <a:off x="7035111" y="5102155"/>
-            <a:ext cx="12700" cy="882023"/>
+            <a:ext cx="8616" cy="1045517"/>
           </a:xfrm>
           <a:prstGeom prst="bentConnector5">
             <a:avLst>
-              <a:gd name="adj1" fmla="val 1275000"/>
+              <a:gd name="adj1" fmla="val -1680362"/>
               <a:gd name="adj2" fmla="val 50000"/>
-              <a:gd name="adj3" fmla="val -1250000"/>
+              <a:gd name="adj3" fmla="val 2753203"/>
             </a:avLst>
           </a:prstGeom>
           <a:ln>
@@ -4372,7 +4372,7 @@
         </p:nvSpPr>
         <p:spPr>
           <a:xfrm>
-            <a:off x="5468316" y="4836306"/>
+            <a:off x="5498764" y="4798207"/>
             <a:ext cx="761341" cy="338554"/>
           </a:xfrm>
           <a:prstGeom prst="rect">
@@ -4410,7 +4410,7 @@
         </p:nvSpPr>
         <p:spPr>
           <a:xfrm>
-            <a:off x="3146215" y="5184118"/>
+            <a:off x="5096190" y="5398392"/>
             <a:ext cx="761341" cy="461665"/>
           </a:xfrm>
           <a:prstGeom prst="rect">
@@ -4468,7 +4468,7 @@
         </p:nvSpPr>
         <p:spPr>
           <a:xfrm>
-            <a:off x="5011411" y="5174860"/>
+            <a:off x="4522599" y="5566018"/>
             <a:ext cx="761341" cy="338554"/>
           </a:xfrm>
           <a:prstGeom prst="rect">
@@ -4502,7 +4502,7 @@
         </p:nvSpPr>
         <p:spPr>
           <a:xfrm>
-            <a:off x="5801229" y="5274518"/>
+            <a:off x="5863202" y="5241798"/>
             <a:ext cx="761341" cy="584775"/>
           </a:xfrm>
           <a:prstGeom prst="rect">
@@ -4552,7 +4552,7 @@
         </p:nvSpPr>
         <p:spPr>
           <a:xfrm>
-            <a:off x="7913154" y="5353395"/>
+            <a:off x="7171313" y="5536130"/>
             <a:ext cx="761341" cy="584775"/>
           </a:xfrm>
           <a:prstGeom prst="rect">
@@ -4780,7 +4780,7 @@
           </a:xfrm>
           <a:prstGeom prst="bentConnector4">
             <a:avLst>
-              <a:gd name="adj1" fmla="val 26074"/>
+              <a:gd name="adj1" fmla="val 46588"/>
               <a:gd name="adj2" fmla="val 105027"/>
             </a:avLst>
           </a:prstGeom>
@@ -4819,7 +4819,7 @@
           </a:xfrm>
           <a:prstGeom prst="bentConnector4">
             <a:avLst>
-              <a:gd name="adj1" fmla="val 30573"/>
+              <a:gd name="adj1" fmla="val 163465"/>
               <a:gd name="adj2" fmla="val 105027"/>
             </a:avLst>
           </a:prstGeom>
